--- a/Presentation/Final Presentation.pptx
+++ b/Presentation/Final Presentation.pptx
@@ -9203,60 +9203,6 @@
       </p:sp>
       <p:sp>
         <p:nvSpPr>
-          <p:cNvPr id="6" name="Rectangle 1">
-            <a:extLst>
-              <a:ext uri="{FF2B5EF4-FFF2-40B4-BE49-F238E27FC236}">
-                <a16:creationId xmlns:a16="http://schemas.microsoft.com/office/drawing/2014/main" id="{EA991ACD-9072-440F-B92F-27336048D9AE}"/>
-              </a:ext>
-            </a:extLst>
-          </p:cNvPr>
-          <p:cNvSpPr/>
-          <p:nvPr/>
-        </p:nvSpPr>
-        <p:spPr>
-          <a:xfrm>
-            <a:off x="558266" y="1617111"/>
-            <a:ext cx="8021370" cy="4535786"/>
-          </a:xfrm>
-          <a:prstGeom prst="rect">
-            <a:avLst/>
-          </a:prstGeom>
-        </p:spPr>
-        <p:style>
-          <a:lnRef idx="1">
-            <a:schemeClr val="dk1"/>
-          </a:lnRef>
-          <a:fillRef idx="3">
-            <a:schemeClr val="dk1"/>
-          </a:fillRef>
-          <a:effectRef idx="2">
-            <a:schemeClr val="dk1"/>
-          </a:effectRef>
-          <a:fontRef idx="minor">
-            <a:schemeClr val="lt1"/>
-          </a:fontRef>
-        </p:style>
-        <p:txBody>
-          <a:bodyPr rtlCol="0" anchor="ctr"/>
-          <a:lstStyle/>
-          <a:p>
-            <a:pPr algn="ctr"/>
-            <a:r>
-              <a:rPr lang="en-GB" dirty="0"/>
-              <a:t>Need to add real class model</a:t>
-            </a:r>
-          </a:p>
-          <a:p>
-            <a:pPr algn="ctr"/>
-            <a:r>
-              <a:rPr lang="en-GB" dirty="0"/>
-              <a:t>Adri will create it when everyone finish coding</a:t>
-            </a:r>
-          </a:p>
-        </p:txBody>
-      </p:sp>
-      <p:sp>
-        <p:nvSpPr>
           <p:cNvPr id="7" name="TextBox 6">
             <a:extLst>
               <a:ext uri="{FF2B5EF4-FFF2-40B4-BE49-F238E27FC236}">
@@ -9301,6 +9247,42 @@
           </a:p>
         </p:txBody>
       </p:sp>
+      <p:pic>
+        <p:nvPicPr>
+          <p:cNvPr id="5" name="Picture 4">
+            <a:extLst>
+              <a:ext uri="{FF2B5EF4-FFF2-40B4-BE49-F238E27FC236}">
+                <a16:creationId xmlns:a16="http://schemas.microsoft.com/office/drawing/2014/main" id="{0D4BDBAD-3A77-4150-BD44-16FBC1A2786F}"/>
+              </a:ext>
+            </a:extLst>
+          </p:cNvPr>
+          <p:cNvPicPr>
+            <a:picLocks noChangeAspect="1"/>
+          </p:cNvPicPr>
+          <p:nvPr/>
+        </p:nvPicPr>
+        <p:blipFill>
+          <a:blip r:embed="rId3">
+            <a:extLst>
+              <a:ext uri="{28A0092B-C50C-407E-A947-70E740481C1C}">
+                <a14:useLocalDpi xmlns:a14="http://schemas.microsoft.com/office/drawing/2010/main" val="0"/>
+              </a:ext>
+            </a:extLst>
+          </a:blip>
+          <a:stretch>
+            <a:fillRect/>
+          </a:stretch>
+        </p:blipFill>
+        <p:spPr>
+          <a:xfrm>
+            <a:off x="827261" y="1057987"/>
+            <a:ext cx="5813236" cy="5282026"/>
+          </a:xfrm>
+          <a:prstGeom prst="rect">
+            <a:avLst/>
+          </a:prstGeom>
+        </p:spPr>
+      </p:pic>
     </p:spTree>
     <p:extLst>
       <p:ext uri="{BB962C8B-B14F-4D97-AF65-F5344CB8AC3E}">
@@ -10287,7 +10269,7 @@
                 </a:uFill>
                 <a:latin typeface="Georgia"/>
               </a:rPr>
-              <a:t>How to code based on Test driven development.</a:t>
+              <a:t>How to code based on Test Driven Development. (TDD)</a:t>
             </a:r>
           </a:p>
           <a:p>
@@ -16018,6 +16000,66 @@
           </a:p>
         </p:txBody>
       </p:sp>
+      <p:pic>
+        <p:nvPicPr>
+          <p:cNvPr id="6" name="Picture 5">
+            <a:extLst>
+              <a:ext uri="{FF2B5EF4-FFF2-40B4-BE49-F238E27FC236}">
+                <a16:creationId xmlns:a16="http://schemas.microsoft.com/office/drawing/2014/main" id="{FEDEB23B-E4FF-49E6-A473-E308F7F98E12}"/>
+              </a:ext>
+            </a:extLst>
+          </p:cNvPr>
+          <p:cNvPicPr>
+            <a:picLocks noChangeAspect="1"/>
+          </p:cNvPicPr>
+          <p:nvPr/>
+        </p:nvPicPr>
+        <p:blipFill>
+          <a:blip r:embed="rId3"/>
+          <a:stretch>
+            <a:fillRect/>
+          </a:stretch>
+        </p:blipFill>
+        <p:spPr>
+          <a:xfrm>
+            <a:off x="4443698" y="2625504"/>
+            <a:ext cx="4536954" cy="2304905"/>
+          </a:xfrm>
+          <a:prstGeom prst="rect">
+            <a:avLst/>
+          </a:prstGeom>
+        </p:spPr>
+      </p:pic>
+      <p:pic>
+        <p:nvPicPr>
+          <p:cNvPr id="9" name="Picture 8">
+            <a:extLst>
+              <a:ext uri="{FF2B5EF4-FFF2-40B4-BE49-F238E27FC236}">
+                <a16:creationId xmlns:a16="http://schemas.microsoft.com/office/drawing/2014/main" id="{0F13BA5F-BD8A-43BD-A817-37271FFA5652}"/>
+              </a:ext>
+            </a:extLst>
+          </p:cNvPr>
+          <p:cNvPicPr>
+            <a:picLocks noChangeAspect="1"/>
+          </p:cNvPicPr>
+          <p:nvPr/>
+        </p:nvPicPr>
+        <p:blipFill>
+          <a:blip r:embed="rId4"/>
+          <a:stretch>
+            <a:fillRect/>
+          </a:stretch>
+        </p:blipFill>
+        <p:spPr>
+          <a:xfrm>
+            <a:off x="230884" y="2218099"/>
+            <a:ext cx="4338068" cy="3716325"/>
+          </a:xfrm>
+          <a:prstGeom prst="rect">
+            <a:avLst/>
+          </a:prstGeom>
+        </p:spPr>
+      </p:pic>
     </p:spTree>
     <p:extLst>
       <p:ext uri="{BB962C8B-B14F-4D97-AF65-F5344CB8AC3E}">
@@ -16466,6 +16508,42 @@
           </a:p>
         </p:txBody>
       </p:sp>
+      <p:pic>
+        <p:nvPicPr>
+          <p:cNvPr id="7" name="Picture 6">
+            <a:extLst>
+              <a:ext uri="{FF2B5EF4-FFF2-40B4-BE49-F238E27FC236}">
+                <a16:creationId xmlns:a16="http://schemas.microsoft.com/office/drawing/2014/main" id="{B37A9353-5012-4BE7-A0BA-1C4CB4CB5E34}"/>
+              </a:ext>
+            </a:extLst>
+          </p:cNvPr>
+          <p:cNvPicPr>
+            <a:picLocks noChangeAspect="1"/>
+          </p:cNvPicPr>
+          <p:nvPr/>
+        </p:nvPicPr>
+        <p:blipFill>
+          <a:blip r:embed="rId3" cstate="email">
+            <a:extLst>
+              <a:ext uri="{28A0092B-C50C-407E-A947-70E740481C1C}">
+                <a14:useLocalDpi xmlns:a14="http://schemas.microsoft.com/office/drawing/2010/main" val="0"/>
+              </a:ext>
+            </a:extLst>
+          </a:blip>
+          <a:stretch>
+            <a:fillRect/>
+          </a:stretch>
+        </p:blipFill>
+        <p:spPr>
+          <a:xfrm>
+            <a:off x="541175" y="2000816"/>
+            <a:ext cx="8061650" cy="4410032"/>
+          </a:xfrm>
+          <a:prstGeom prst="rect">
+            <a:avLst/>
+          </a:prstGeom>
+        </p:spPr>
+      </p:pic>
     </p:spTree>
     <p:extLst>
       <p:ext uri="{BB962C8B-B14F-4D97-AF65-F5344CB8AC3E}">

--- a/Presentation/Final Presentation.pptx
+++ b/Presentation/Final Presentation.pptx
@@ -7039,6 +7039,31 @@
             </a:r>
           </a:p>
           <a:p>
+            <a:pPr marL="360">
+              <a:lnSpc>
+                <a:spcPct val="100000"/>
+              </a:lnSpc>
+              <a:spcBef>
+                <a:spcPts val="541"/>
+              </a:spcBef>
+              <a:buClr>
+                <a:srgbClr val="D16349"/>
+              </a:buClr>
+              <a:buSzPct val="85000"/>
+            </a:pPr>
+            <a:endParaRPr lang="en-US" sz="2400" b="0" strike="noStrike" spc="-1" dirty="0">
+              <a:solidFill>
+                <a:srgbClr val="000000"/>
+              </a:solidFill>
+              <a:uFill>
+                <a:solidFill>
+                  <a:srgbClr val="FFFFFF"/>
+                </a:solidFill>
+              </a:uFill>
+              <a:latin typeface="Georgia"/>
+            </a:endParaRPr>
+          </a:p>
+          <a:p>
             <a:pPr marL="457560" lvl="1">
               <a:spcBef>
                 <a:spcPts val="541"/>
@@ -7139,8 +7164,33 @@
                 </a:uFill>
                 <a:latin typeface="Georgia"/>
               </a:rPr>
-              <a:t>Facade</a:t>
-            </a:r>
+              <a:t>Façade</a:t>
+            </a:r>
+          </a:p>
+          <a:p>
+            <a:pPr marL="360">
+              <a:lnSpc>
+                <a:spcPct val="100000"/>
+              </a:lnSpc>
+              <a:spcBef>
+                <a:spcPts val="541"/>
+              </a:spcBef>
+              <a:buClr>
+                <a:srgbClr val="D16349"/>
+              </a:buClr>
+              <a:buSzPct val="85000"/>
+            </a:pPr>
+            <a:endParaRPr lang="en-US" sz="2400" spc="-1" dirty="0">
+              <a:solidFill>
+                <a:srgbClr val="000000"/>
+              </a:solidFill>
+              <a:uFill>
+                <a:solidFill>
+                  <a:srgbClr val="FFFFFF"/>
+                </a:solidFill>
+              </a:uFill>
+              <a:latin typeface="Georgia"/>
+            </a:endParaRPr>
           </a:p>
           <a:p>
             <a:pPr marL="457560" lvl="1">
@@ -7389,10 +7439,10 @@
       </p:sp>
       <p:pic>
         <p:nvPicPr>
-          <p:cNvPr id="6" name="Content Placeholder 4">
+          <p:cNvPr id="9" name="Picture 8">
             <a:extLst>
               <a:ext uri="{FF2B5EF4-FFF2-40B4-BE49-F238E27FC236}">
-                <a16:creationId xmlns:a16="http://schemas.microsoft.com/office/drawing/2014/main" id="{1BD0254D-7668-4DED-93E1-D24277DD1CCE}"/>
+                <a16:creationId xmlns:a16="http://schemas.microsoft.com/office/drawing/2014/main" id="{96323683-7CCA-4ACC-9405-FCCB457A78C8}"/>
               </a:ext>
             </a:extLst>
           </p:cNvPr>
@@ -7415,20 +7465,66 @@
         </p:blipFill>
         <p:spPr>
           <a:xfrm>
-            <a:off x="256394" y="1528808"/>
-            <a:ext cx="4311667" cy="2302193"/>
+            <a:off x="193548" y="3921942"/>
+            <a:ext cx="5210604" cy="2448270"/>
           </a:xfrm>
           <a:prstGeom prst="rect">
             <a:avLst/>
           </a:prstGeom>
         </p:spPr>
       </p:pic>
+      <p:sp>
+        <p:nvSpPr>
+          <p:cNvPr id="10" name="TextBox 9">
+            <a:extLst>
+              <a:ext uri="{FF2B5EF4-FFF2-40B4-BE49-F238E27FC236}">
+                <a16:creationId xmlns:a16="http://schemas.microsoft.com/office/drawing/2014/main" id="{39E77996-968B-4695-B1AE-4F73F7AA996D}"/>
+              </a:ext>
+            </a:extLst>
+          </p:cNvPr>
+          <p:cNvSpPr txBox="1"/>
+          <p:nvPr/>
+        </p:nvSpPr>
+        <p:spPr>
+          <a:xfrm>
+            <a:off x="4339425" y="975002"/>
+            <a:ext cx="487634" cy="461665"/>
+          </a:xfrm>
+          <a:prstGeom prst="rect">
+            <a:avLst/>
+          </a:prstGeom>
+          <a:noFill/>
+        </p:spPr>
+        <p:txBody>
+          <a:bodyPr wrap="none" rtlCol="0">
+            <a:spAutoFit/>
+          </a:bodyPr>
+          <a:lstStyle/>
+          <a:p>
+            <a:r>
+              <a:rPr lang="en-US" altLang="ko-KR" sz="2400" dirty="0">
+                <a:solidFill>
+                  <a:srgbClr val="9BBB59"/>
+                </a:solidFill>
+                <a:latin typeface="Georgia" panose="02040502050405020303" pitchFamily="18" charset="0"/>
+              </a:rPr>
+              <a:t>13</a:t>
+            </a:r>
+            <a:endParaRPr lang="ko-KR" altLang="en-US" dirty="0">
+              <a:solidFill>
+                <a:srgbClr val="9BBB59"/>
+              </a:solidFill>
+              <a:latin typeface="Georgia" panose="02040502050405020303" pitchFamily="18" charset="0"/>
+            </a:endParaRPr>
+          </a:p>
+        </p:txBody>
+      </p:sp>
       <p:pic>
         <p:nvPicPr>
-          <p:cNvPr id="9" name="Picture 8">
+          <p:cNvPr id="3" name="Picture 2">
             <a:extLst>
               <a:ext uri="{FF2B5EF4-FFF2-40B4-BE49-F238E27FC236}">
-                <a16:creationId xmlns:a16="http://schemas.microsoft.com/office/drawing/2014/main" id="{96323683-7CCA-4ACC-9405-FCCB457A78C8}"/>
+                <a16:creationId xmlns:a16="http://schemas.microsoft.com/office/drawing/2014/main" id="{DE05A9F2-798E-4D02-91DB-0A97BEC3907F}"/>
               </a:ext>
             </a:extLst>
           </p:cNvPr>
@@ -7438,7 +7534,7 @@
           <p:nvPr/>
         </p:nvPicPr>
         <p:blipFill>
-          <a:blip r:embed="rId4" cstate="email">
+          <a:blip r:embed="rId4">
             <a:extLst>
               <a:ext uri="{28A0092B-C50C-407E-A947-70E740481C1C}">
                 <a14:useLocalDpi xmlns:a14="http://schemas.microsoft.com/office/drawing/2010/main" val="0"/>
@@ -7451,60 +7547,14 @@
         </p:blipFill>
         <p:spPr>
           <a:xfrm>
-            <a:off x="193548" y="3921942"/>
-            <a:ext cx="5210604" cy="2448270"/>
+            <a:off x="257095" y="1477335"/>
+            <a:ext cx="4311665" cy="2302192"/>
           </a:xfrm>
           <a:prstGeom prst="rect">
             <a:avLst/>
           </a:prstGeom>
         </p:spPr>
       </p:pic>
-      <p:sp>
-        <p:nvSpPr>
-          <p:cNvPr id="10" name="TextBox 9">
-            <a:extLst>
-              <a:ext uri="{FF2B5EF4-FFF2-40B4-BE49-F238E27FC236}">
-                <a16:creationId xmlns:a16="http://schemas.microsoft.com/office/drawing/2014/main" id="{39E77996-968B-4695-B1AE-4F73F7AA996D}"/>
-              </a:ext>
-            </a:extLst>
-          </p:cNvPr>
-          <p:cNvSpPr txBox="1"/>
-          <p:nvPr/>
-        </p:nvSpPr>
-        <p:spPr>
-          <a:xfrm>
-            <a:off x="4339425" y="975002"/>
-            <a:ext cx="487634" cy="461665"/>
-          </a:xfrm>
-          <a:prstGeom prst="rect">
-            <a:avLst/>
-          </a:prstGeom>
-          <a:noFill/>
-        </p:spPr>
-        <p:txBody>
-          <a:bodyPr wrap="none" rtlCol="0">
-            <a:spAutoFit/>
-          </a:bodyPr>
-          <a:lstStyle/>
-          <a:p>
-            <a:r>
-              <a:rPr lang="en-US" altLang="ko-KR" sz="2400" dirty="0">
-                <a:solidFill>
-                  <a:srgbClr val="9BBB59"/>
-                </a:solidFill>
-                <a:latin typeface="Georgia" panose="02040502050405020303" pitchFamily="18" charset="0"/>
-              </a:rPr>
-              <a:t>13</a:t>
-            </a:r>
-            <a:endParaRPr lang="ko-KR" altLang="en-US" dirty="0">
-              <a:solidFill>
-                <a:srgbClr val="9BBB59"/>
-              </a:solidFill>
-              <a:latin typeface="Georgia" panose="02040502050405020303" pitchFamily="18" charset="0"/>
-            </a:endParaRPr>
-          </a:p>
-        </p:txBody>
-      </p:sp>
     </p:spTree>
     <p:extLst>
       <p:ext uri="{BB962C8B-B14F-4D97-AF65-F5344CB8AC3E}">
@@ -10801,8 +10851,8 @@
         </p:nvSpPr>
         <p:spPr>
           <a:xfrm>
-            <a:off x="301680" y="1527120"/>
-            <a:ext cx="8380080" cy="690840"/>
+            <a:off x="301679" y="1527119"/>
+            <a:ext cx="8485133" cy="954143"/>
           </a:xfrm>
           <a:prstGeom prst="rect">
             <a:avLst/>
@@ -11865,7 +11915,7 @@
         <p:spPr>
           <a:xfrm>
             <a:off x="301680" y="1527120"/>
-            <a:ext cx="8305872" cy="4571640"/>
+            <a:ext cx="8534160" cy="4571640"/>
           </a:xfrm>
           <a:prstGeom prst="rect">
             <a:avLst/>
@@ -12094,7 +12144,7 @@
                 </a:uFill>
                 <a:latin typeface="Georgia"/>
               </a:rPr>
-              <a:t>We did the best effort that we could to solve the problems in our coordination and work together like a team until the end.</a:t>
+              <a:t>We did the best effort that we could to solve the         problems in our coordination and work together like a team until the end.</a:t>
             </a:r>
           </a:p>
           <a:p>
@@ -13456,35 +13506,7 @@
                 </a:uFill>
                 <a:latin typeface="Georgia"/>
               </a:rPr>
-              <a:t>Shelter's requirement - </a:t>
-            </a:r>
-            <a:r>
-              <a:rPr lang="en-US" sz="1800" b="0" strike="noStrike" spc="-1" dirty="0" err="1">
-                <a:solidFill>
-                  <a:srgbClr val="000000"/>
-                </a:solidFill>
-                <a:uFill>
-                  <a:solidFill>
-                    <a:srgbClr val="FFFFFF"/>
-                  </a:solidFill>
-                </a:uFill>
-                <a:latin typeface="Georgia"/>
-              </a:rPr>
-              <a:t>minimising</a:t>
-            </a:r>
-            <a:r>
-              <a:rPr lang="en-US" sz="1800" b="0" strike="noStrike" spc="-1" dirty="0">
-                <a:solidFill>
-                  <a:srgbClr val="000000"/>
-                </a:solidFill>
-                <a:uFill>
-                  <a:solidFill>
-                    <a:srgbClr val="FFFFFF"/>
-                  </a:solidFill>
-                </a:uFill>
-                <a:latin typeface="Georgia"/>
-              </a:rPr>
-              <a:t> effort and time to find and take volunteers equally</a:t>
+              <a:t>Shelter's requirement - minimizing effort and time to find and take volunteers equally</a:t>
             </a:r>
             <a:endParaRPr lang="en-US" sz="1800" b="0" strike="noStrike" spc="-1" dirty="0">
               <a:solidFill>

--- a/Presentation/Final Presentation.pptx
+++ b/Presentation/Final Presentation.pptx
@@ -5202,326 +5202,6 @@
       </p:sp>
       <p:sp>
         <p:nvSpPr>
-          <p:cNvPr id="6" name="직사각형 5">
-            <a:extLst>
-              <a:ext uri="{FF2B5EF4-FFF2-40B4-BE49-F238E27FC236}">
-                <a16:creationId xmlns:a16="http://schemas.microsoft.com/office/drawing/2014/main" id="{0FC3A176-2A9E-47AF-BF3E-4AC0F52F4654}"/>
-              </a:ext>
-            </a:extLst>
-          </p:cNvPr>
-          <p:cNvSpPr/>
-          <p:nvPr/>
-        </p:nvSpPr>
-        <p:spPr>
-          <a:xfrm>
-            <a:off x="5871412" y="3970421"/>
-            <a:ext cx="3007894" cy="2331407"/>
-          </a:xfrm>
-          <a:prstGeom prst="rect">
-            <a:avLst/>
-          </a:prstGeom>
-        </p:spPr>
-        <p:txBody>
-          <a:bodyPr wrap="square">
-            <a:spAutoFit/>
-          </a:bodyPr>
-          <a:lstStyle/>
-          <a:p>
-            <a:pPr marL="93600" algn="r">
-              <a:spcBef>
-                <a:spcPts val="850"/>
-              </a:spcBef>
-              <a:buClr>
-                <a:srgbClr val="000000"/>
-              </a:buClr>
-              <a:buSzPct val="45000"/>
-            </a:pPr>
-            <a:r>
-              <a:rPr lang="en-US" altLang="ko-KR" spc="-1" dirty="0">
-                <a:solidFill>
-                  <a:srgbClr val="000000"/>
-                </a:solidFill>
-                <a:uFill>
-                  <a:solidFill>
-                    <a:srgbClr val="FFFFFF"/>
-                  </a:solidFill>
-                </a:uFill>
-                <a:latin typeface="Georgia"/>
-              </a:rPr>
-              <a:t>Sanggil Han</a:t>
-            </a:r>
-          </a:p>
-          <a:p>
-            <a:pPr marL="93600" algn="r">
-              <a:spcBef>
-                <a:spcPts val="850"/>
-              </a:spcBef>
-              <a:buClr>
-                <a:srgbClr val="000000"/>
-              </a:buClr>
-              <a:buSzPct val="45000"/>
-            </a:pPr>
-            <a:r>
-              <a:rPr lang="en-US" altLang="ko-KR" spc="-1" dirty="0">
-                <a:solidFill>
-                  <a:srgbClr val="000000"/>
-                </a:solidFill>
-                <a:uFill>
-                  <a:solidFill>
-                    <a:srgbClr val="FFFFFF"/>
-                  </a:solidFill>
-                </a:uFill>
-                <a:latin typeface="Georgia"/>
-              </a:rPr>
-              <a:t>George </a:t>
-            </a:r>
-            <a:r>
-              <a:rPr lang="en-US" altLang="ko-KR" spc="-1" dirty="0" err="1">
-                <a:solidFill>
-                  <a:srgbClr val="000000"/>
-                </a:solidFill>
-                <a:uFill>
-                  <a:solidFill>
-                    <a:srgbClr val="FFFFFF"/>
-                  </a:solidFill>
-                </a:uFill>
-                <a:latin typeface="Georgia"/>
-              </a:rPr>
-              <a:t>Karamalis</a:t>
-            </a:r>
-            <a:endParaRPr lang="en-US" altLang="ko-KR" spc="-1" dirty="0">
-              <a:solidFill>
-                <a:srgbClr val="000000"/>
-              </a:solidFill>
-              <a:uFill>
-                <a:solidFill>
-                  <a:srgbClr val="FFFFFF"/>
-                </a:solidFill>
-              </a:uFill>
-              <a:latin typeface="Georgia"/>
-            </a:endParaRPr>
-          </a:p>
-          <a:p>
-            <a:pPr marL="93600" algn="r">
-              <a:spcBef>
-                <a:spcPts val="850"/>
-              </a:spcBef>
-              <a:buClr>
-                <a:srgbClr val="000000"/>
-              </a:buClr>
-              <a:buSzPct val="45000"/>
-            </a:pPr>
-            <a:r>
-              <a:rPr lang="en-US" altLang="ko-KR" spc="-1" dirty="0">
-                <a:solidFill>
-                  <a:srgbClr val="000000"/>
-                </a:solidFill>
-                <a:uFill>
-                  <a:solidFill>
-                    <a:srgbClr val="FFFFFF"/>
-                  </a:solidFill>
-                </a:uFill>
-                <a:latin typeface="Georgia"/>
-              </a:rPr>
-              <a:t>Konstantina </a:t>
-            </a:r>
-            <a:r>
-              <a:rPr lang="en-US" altLang="ko-KR" spc="-1" dirty="0" err="1">
-                <a:solidFill>
-                  <a:srgbClr val="000000"/>
-                </a:solidFill>
-                <a:uFill>
-                  <a:solidFill>
-                    <a:srgbClr val="FFFFFF"/>
-                  </a:solidFill>
-                </a:uFill>
-                <a:latin typeface="Georgia"/>
-              </a:rPr>
-              <a:t>Marantidou</a:t>
-            </a:r>
-            <a:r>
-              <a:rPr lang="en-US" altLang="ko-KR" spc="-1" dirty="0">
-                <a:solidFill>
-                  <a:srgbClr val="000000"/>
-                </a:solidFill>
-                <a:uFill>
-                  <a:solidFill>
-                    <a:srgbClr val="FFFFFF"/>
-                  </a:solidFill>
-                </a:uFill>
-                <a:latin typeface="Georgia"/>
-              </a:rPr>
-              <a:t> </a:t>
-            </a:r>
-          </a:p>
-          <a:p>
-            <a:pPr marL="93600" algn="r">
-              <a:spcBef>
-                <a:spcPts val="850"/>
-              </a:spcBef>
-              <a:buClr>
-                <a:srgbClr val="000000"/>
-              </a:buClr>
-              <a:buSzPct val="45000"/>
-            </a:pPr>
-            <a:r>
-              <a:rPr lang="en-US" altLang="ko-KR" spc="-1" dirty="0" err="1">
-                <a:solidFill>
-                  <a:srgbClr val="000000"/>
-                </a:solidFill>
-                <a:uFill>
-                  <a:solidFill>
-                    <a:srgbClr val="FFFFFF"/>
-                  </a:solidFill>
-                </a:uFill>
-                <a:latin typeface="Georgia"/>
-              </a:rPr>
-              <a:t>Michał</a:t>
-            </a:r>
-            <a:r>
-              <a:rPr lang="en-US" altLang="ko-KR" spc="-1" dirty="0">
-                <a:solidFill>
-                  <a:srgbClr val="000000"/>
-                </a:solidFill>
-                <a:uFill>
-                  <a:solidFill>
-                    <a:srgbClr val="FFFFFF"/>
-                  </a:solidFill>
-                </a:uFill>
-                <a:latin typeface="Georgia"/>
-              </a:rPr>
-              <a:t> </a:t>
-            </a:r>
-            <a:r>
-              <a:rPr lang="en-US" altLang="ko-KR" spc="-1" dirty="0" err="1">
-                <a:solidFill>
-                  <a:srgbClr val="000000"/>
-                </a:solidFill>
-                <a:uFill>
-                  <a:solidFill>
-                    <a:srgbClr val="FFFFFF"/>
-                  </a:solidFill>
-                </a:uFill>
-                <a:latin typeface="Georgia"/>
-              </a:rPr>
-              <a:t>Mazurkiewicz</a:t>
-            </a:r>
-            <a:endParaRPr lang="en-US" altLang="ko-KR" spc="-1" dirty="0">
-              <a:solidFill>
-                <a:srgbClr val="000000"/>
-              </a:solidFill>
-              <a:uFill>
-                <a:solidFill>
-                  <a:srgbClr val="FFFFFF"/>
-                </a:solidFill>
-              </a:uFill>
-              <a:latin typeface="Georgia"/>
-            </a:endParaRPr>
-          </a:p>
-          <a:p>
-            <a:pPr marL="93600" algn="r">
-              <a:spcBef>
-                <a:spcPts val="850"/>
-              </a:spcBef>
-              <a:buClr>
-                <a:srgbClr val="000000"/>
-              </a:buClr>
-              <a:buSzPct val="45000"/>
-            </a:pPr>
-            <a:r>
-              <a:rPr lang="en-US" altLang="ko-KR" spc="-1" dirty="0">
-                <a:solidFill>
-                  <a:srgbClr val="000000"/>
-                </a:solidFill>
-                <a:uFill>
-                  <a:solidFill>
-                    <a:srgbClr val="FFFFFF"/>
-                  </a:solidFill>
-                </a:uFill>
-                <a:latin typeface="Georgia"/>
-              </a:rPr>
-              <a:t>Antoni </a:t>
-            </a:r>
-            <a:r>
-              <a:rPr lang="en-US" altLang="ko-KR" spc="-1" dirty="0" err="1">
-                <a:solidFill>
-                  <a:srgbClr val="000000"/>
-                </a:solidFill>
-                <a:uFill>
-                  <a:solidFill>
-                    <a:srgbClr val="FFFFFF"/>
-                  </a:solidFill>
-                </a:uFill>
-                <a:latin typeface="Georgia"/>
-              </a:rPr>
-              <a:t>Pięta</a:t>
-            </a:r>
-            <a:endParaRPr lang="en-US" altLang="ko-KR" spc="-1" dirty="0">
-              <a:solidFill>
-                <a:srgbClr val="000000"/>
-              </a:solidFill>
-              <a:uFill>
-                <a:solidFill>
-                  <a:srgbClr val="FFFFFF"/>
-                </a:solidFill>
-              </a:uFill>
-              <a:latin typeface="Georgia"/>
-            </a:endParaRPr>
-          </a:p>
-          <a:p>
-            <a:pPr marL="93600" algn="r">
-              <a:spcBef>
-                <a:spcPts val="850"/>
-              </a:spcBef>
-              <a:buClr>
-                <a:srgbClr val="000000"/>
-              </a:buClr>
-              <a:buSzPct val="45000"/>
-            </a:pPr>
-            <a:r>
-              <a:rPr lang="en-US" altLang="ko-KR" spc="-1" dirty="0">
-                <a:solidFill>
-                  <a:srgbClr val="000000"/>
-                </a:solidFill>
-                <a:uFill>
-                  <a:solidFill>
-                    <a:srgbClr val="FFFFFF"/>
-                  </a:solidFill>
-                </a:uFill>
-                <a:latin typeface="Georgia"/>
-              </a:rPr>
-              <a:t>Adrián Salas </a:t>
-            </a:r>
-            <a:r>
-              <a:rPr lang="en-US" altLang="ko-KR" spc="-1" dirty="0" err="1">
-                <a:solidFill>
-                  <a:srgbClr val="000000"/>
-                </a:solidFill>
-                <a:uFill>
-                  <a:solidFill>
-                    <a:srgbClr val="FFFFFF"/>
-                  </a:solidFill>
-                </a:uFill>
-                <a:latin typeface="Georgia"/>
-              </a:rPr>
-              <a:t>Troya</a:t>
-            </a:r>
-            <a:endParaRPr lang="en-US" altLang="ko-KR" spc="-1" dirty="0">
-              <a:solidFill>
-                <a:srgbClr val="000000"/>
-              </a:solidFill>
-              <a:uFill>
-                <a:solidFill>
-                  <a:srgbClr val="FFFFFF"/>
-                </a:solidFill>
-              </a:uFill>
-              <a:latin typeface="Georgia"/>
-            </a:endParaRPr>
-          </a:p>
-        </p:txBody>
-      </p:sp>
-      <p:sp>
-        <p:nvSpPr>
           <p:cNvPr id="7" name="직사각형 6">
             <a:extLst>
               <a:ext uri="{FF2B5EF4-FFF2-40B4-BE49-F238E27FC236}">
@@ -5722,139 +5402,6 @@
                 </a:solidFill>
               </a:uFill>
               <a:latin typeface="Times New Roman"/>
-            </a:endParaRPr>
-          </a:p>
-        </p:txBody>
-      </p:sp>
-      <p:sp>
-        <p:nvSpPr>
-          <p:cNvPr id="9" name="TextBox 8">
-            <a:extLst>
-              <a:ext uri="{FF2B5EF4-FFF2-40B4-BE49-F238E27FC236}">
-                <a16:creationId xmlns:a16="http://schemas.microsoft.com/office/drawing/2014/main" id="{6FD98B6D-70CD-4EC1-97B9-BED5618A933C}"/>
-              </a:ext>
-            </a:extLst>
-          </p:cNvPr>
-          <p:cNvSpPr txBox="1"/>
-          <p:nvPr/>
-        </p:nvSpPr>
-        <p:spPr>
-          <a:xfrm>
-            <a:off x="4572000" y="3601089"/>
-            <a:ext cx="1090702" cy="369332"/>
-          </a:xfrm>
-          <a:prstGeom prst="rect">
-            <a:avLst/>
-          </a:prstGeom>
-          <a:noFill/>
-        </p:spPr>
-        <p:txBody>
-          <a:bodyPr wrap="square" rtlCol="0">
-            <a:spAutoFit/>
-          </a:bodyPr>
-          <a:lstStyle/>
-          <a:p>
-            <a:r>
-              <a:rPr lang="en-US" altLang="ko-KR" dirty="0">
-                <a:latin typeface="Georgia" panose="02040502050405020303" pitchFamily="18" charset="0"/>
-              </a:rPr>
-              <a:t>Client : </a:t>
-            </a:r>
-            <a:endParaRPr lang="ko-KR" altLang="en-US" dirty="0">
-              <a:latin typeface="Georgia" panose="02040502050405020303" pitchFamily="18" charset="0"/>
-            </a:endParaRPr>
-          </a:p>
-        </p:txBody>
-      </p:sp>
-      <p:sp>
-        <p:nvSpPr>
-          <p:cNvPr id="10" name="TextBox 9">
-            <a:extLst>
-              <a:ext uri="{FF2B5EF4-FFF2-40B4-BE49-F238E27FC236}">
-                <a16:creationId xmlns:a16="http://schemas.microsoft.com/office/drawing/2014/main" id="{90C9F075-3C9F-4562-8B36-943B94FF6115}"/>
-              </a:ext>
-            </a:extLst>
-          </p:cNvPr>
-          <p:cNvSpPr txBox="1"/>
-          <p:nvPr/>
-        </p:nvSpPr>
-        <p:spPr>
-          <a:xfrm>
-            <a:off x="4572000" y="4005861"/>
-            <a:ext cx="1452705" cy="369332"/>
-          </a:xfrm>
-          <a:prstGeom prst="rect">
-            <a:avLst/>
-          </a:prstGeom>
-          <a:noFill/>
-        </p:spPr>
-        <p:txBody>
-          <a:bodyPr wrap="none" rtlCol="0">
-            <a:spAutoFit/>
-          </a:bodyPr>
-          <a:lstStyle/>
-          <a:p>
-            <a:r>
-              <a:rPr lang="en-US" altLang="ko-KR" spc="-1" dirty="0">
-                <a:solidFill>
-                  <a:srgbClr val="000000"/>
-                </a:solidFill>
-                <a:uFill>
-                  <a:solidFill>
-                    <a:srgbClr val="FFFFFF"/>
-                  </a:solidFill>
-                </a:uFill>
-                <a:latin typeface="Georgia"/>
-              </a:rPr>
-              <a:t>Developers :</a:t>
-            </a:r>
-            <a:endParaRPr lang="ko-KR" altLang="en-US" dirty="0"/>
-          </a:p>
-        </p:txBody>
-      </p:sp>
-      <p:sp>
-        <p:nvSpPr>
-          <p:cNvPr id="11" name="TextBox 10">
-            <a:extLst>
-              <a:ext uri="{FF2B5EF4-FFF2-40B4-BE49-F238E27FC236}">
-                <a16:creationId xmlns:a16="http://schemas.microsoft.com/office/drawing/2014/main" id="{8EA625E7-8C4E-404D-8A7D-381DDA3E69B6}"/>
-              </a:ext>
-            </a:extLst>
-          </p:cNvPr>
-          <p:cNvSpPr txBox="1"/>
-          <p:nvPr/>
-        </p:nvSpPr>
-        <p:spPr>
-          <a:xfrm>
-            <a:off x="4532244" y="3601089"/>
-            <a:ext cx="4347062" cy="369332"/>
-          </a:xfrm>
-          <a:prstGeom prst="rect">
-            <a:avLst/>
-          </a:prstGeom>
-          <a:noFill/>
-        </p:spPr>
-        <p:txBody>
-          <a:bodyPr wrap="square" rtlCol="0">
-            <a:spAutoFit/>
-          </a:bodyPr>
-          <a:lstStyle/>
-          <a:p>
-            <a:pPr algn="r"/>
-            <a:r>
-              <a:rPr lang="en-US" altLang="ko-KR" dirty="0">
-                <a:latin typeface="Georgia" panose="02040502050405020303" pitchFamily="18" charset="0"/>
-              </a:rPr>
-              <a:t>Antonio Ma</a:t>
-            </a:r>
-            <a:r>
-              <a:rPr lang="es-ES" altLang="ko-KR" dirty="0">
-                <a:latin typeface="Georgia" panose="02040502050405020303" pitchFamily="18" charset="0"/>
-              </a:rPr>
-              <a:t>ña Gómez</a:t>
-            </a:r>
-            <a:endParaRPr lang="ko-KR" altLang="en-US" dirty="0">
-              <a:latin typeface="Georgia" panose="02040502050405020303" pitchFamily="18" charset="0"/>
             </a:endParaRPr>
           </a:p>
         </p:txBody>
@@ -11338,7 +10885,7 @@
         <p:spPr>
           <a:xfrm>
             <a:off x="301680" y="1527120"/>
-            <a:ext cx="8380080" cy="690840"/>
+            <a:ext cx="8380080" cy="4424882"/>
           </a:xfrm>
           <a:prstGeom prst="rect">
             <a:avLst/>
@@ -11422,7 +10969,7 @@
               <a:buChar char=""/>
             </a:pPr>
             <a:r>
-              <a:rPr lang="en-US" sz="2700" b="0" strike="noStrike" spc="-1" dirty="0">
+              <a:rPr lang="en-US" sz="2700" spc="-1" dirty="0">
                 <a:solidFill>
                   <a:srgbClr val="000000"/>
                 </a:solidFill>
@@ -11433,7 +10980,7 @@
                 </a:uFill>
                 <a:latin typeface="Georgia"/>
               </a:rPr>
-              <a:t>Team members :</a:t>
+              <a:t>Client :</a:t>
             </a:r>
           </a:p>
           <a:p>
@@ -11449,7 +10996,52 @@
               <a:buChar char=""/>
             </a:pPr>
             <a:r>
-              <a:rPr lang="en-US" altLang="ko-KR" spc="-1" dirty="0">
+              <a:rPr lang="en-US" altLang="ko-KR" dirty="0">
+                <a:latin typeface="Georgia" panose="02040502050405020303" pitchFamily="18" charset="0"/>
+              </a:rPr>
+              <a:t>Antonio Ma</a:t>
+            </a:r>
+            <a:r>
+              <a:rPr lang="es-ES" altLang="ko-KR" dirty="0" err="1">
+                <a:latin typeface="Georgia" panose="02040502050405020303" pitchFamily="18" charset="0"/>
+              </a:rPr>
+              <a:t>ña</a:t>
+            </a:r>
+            <a:r>
+              <a:rPr lang="es-ES" altLang="ko-KR" dirty="0">
+                <a:latin typeface="Georgia" panose="02040502050405020303" pitchFamily="18" charset="0"/>
+              </a:rPr>
+              <a:t> Gómez</a:t>
+            </a:r>
+            <a:endParaRPr lang="en-US" spc="-1" dirty="0">
+              <a:solidFill>
+                <a:srgbClr val="000000"/>
+              </a:solidFill>
+              <a:uFill>
+                <a:solidFill>
+                  <a:srgbClr val="FFFFFF"/>
+                </a:solidFill>
+              </a:uFill>
+              <a:latin typeface="Georgia"/>
+            </a:endParaRPr>
+          </a:p>
+          <a:p>
+            <a:pPr marL="274320" indent="-273960">
+              <a:lnSpc>
+                <a:spcPct val="100000"/>
+              </a:lnSpc>
+              <a:spcBef>
+                <a:spcPts val="541"/>
+              </a:spcBef>
+              <a:buClr>
+                <a:srgbClr val="D16349"/>
+              </a:buClr>
+              <a:buSzPct val="85000"/>
+              <a:buFont typeface="Wingdings 2" charset="2"/>
+              <a:buChar char=""/>
+            </a:pPr>
+            <a:r>
+              <a:rPr lang="en-US" sz="2700" b="0" strike="noStrike" spc="-1" dirty="0">
                 <a:solidFill>
                   <a:srgbClr val="000000"/>
                 </a:solidFill>
@@ -11460,7 +11052,7 @@
                 </a:uFill>
                 <a:latin typeface="Georgia"/>
               </a:rPr>
-              <a:t>Sanggil Han</a:t>
+              <a:t>Team members :</a:t>
             </a:r>
           </a:p>
           <a:p>
@@ -11476,7 +11068,7 @@
               <a:buChar char=""/>
             </a:pPr>
             <a:r>
-              <a:rPr lang="en-US" altLang="ko-KR" spc="-1" dirty="0" err="1">
+              <a:rPr lang="en-US" altLang="ko-KR" spc="-1" dirty="0">
                 <a:solidFill>
                   <a:srgbClr val="000000"/>
                 </a:solidFill>
@@ -11487,47 +11079,8 @@
                 </a:uFill>
                 <a:latin typeface="Georgia"/>
               </a:rPr>
-              <a:t>Michał</a:t>
-            </a:r>
-            <a:r>
-              <a:rPr lang="en-US" altLang="ko-KR" spc="-1" dirty="0">
-                <a:solidFill>
-                  <a:srgbClr val="000000"/>
-                </a:solidFill>
-                <a:uFill>
-                  <a:solidFill>
-                    <a:srgbClr val="FFFFFF"/>
-                  </a:solidFill>
-                </a:uFill>
-                <a:latin typeface="Georgia"/>
-              </a:rPr>
-              <a:t> </a:t>
-            </a:r>
-            <a:r>
-              <a:rPr lang="en-US" altLang="ko-KR" spc="-1" dirty="0" err="1">
-                <a:solidFill>
-                  <a:srgbClr val="000000"/>
-                </a:solidFill>
-                <a:uFill>
-                  <a:solidFill>
-                    <a:srgbClr val="FFFFFF"/>
-                  </a:solidFill>
-                </a:uFill>
-                <a:latin typeface="Georgia"/>
-              </a:rPr>
-              <a:t>Mazurkiewicz</a:t>
-            </a:r>
-            <a:endParaRPr lang="en-US" altLang="ko-KR" spc="-1" dirty="0">
-              <a:solidFill>
-                <a:srgbClr val="000000"/>
-              </a:solidFill>
-              <a:uFill>
-                <a:solidFill>
-                  <a:srgbClr val="FFFFFF"/>
-                </a:solidFill>
-              </a:uFill>
-              <a:latin typeface="Georgia"/>
-            </a:endParaRPr>
+              <a:t>Sanggil Han</a:t>
+            </a:r>
           </a:p>
           <a:p>
             <a:pPr marL="1296000" lvl="2" indent="-288000">
@@ -11542,7 +11095,7 @@
               <a:buChar char=""/>
             </a:pPr>
             <a:r>
-              <a:rPr lang="en-US" altLang="ko-KR" spc="-1" dirty="0">
+              <a:rPr lang="en-US" altLang="ko-KR" spc="-1" dirty="0" err="1">
                 <a:solidFill>
                   <a:srgbClr val="000000"/>
                 </a:solidFill>
@@ -11553,10 +11106,10 @@
                 </a:uFill>
                 <a:latin typeface="Georgia"/>
               </a:rPr>
-              <a:t>Konstantina </a:t>
-            </a:r>
-            <a:r>
-              <a:rPr lang="en-US" altLang="ko-KR" spc="-1" dirty="0" err="1">
+              <a:t>Michał</a:t>
+            </a:r>
+            <a:r>
+              <a:rPr lang="en-US" altLang="ko-KR" spc="-1" dirty="0">
                 <a:solidFill>
                   <a:srgbClr val="000000"/>
                 </a:solidFill>
@@ -11567,7 +11120,21 @@
                 </a:uFill>
                 <a:latin typeface="Georgia"/>
               </a:rPr>
-              <a:t>Marantidou</a:t>
+              <a:t> </a:t>
+            </a:r>
+            <a:r>
+              <a:rPr lang="en-US" altLang="ko-KR" spc="-1" dirty="0" err="1">
+                <a:solidFill>
+                  <a:srgbClr val="000000"/>
+                </a:solidFill>
+                <a:uFill>
+                  <a:solidFill>
+                    <a:srgbClr val="FFFFFF"/>
+                  </a:solidFill>
+                </a:uFill>
+                <a:latin typeface="Georgia"/>
+              </a:rPr>
+              <a:t>Mazurkiewicz</a:t>
             </a:r>
             <a:endParaRPr lang="en-US" altLang="ko-KR" spc="-1" dirty="0">
               <a:solidFill>
@@ -11605,7 +11172,7 @@
                 </a:uFill>
                 <a:latin typeface="Georgia"/>
               </a:rPr>
-              <a:t>Antoni </a:t>
+              <a:t>Konstantina </a:t>
             </a:r>
             <a:r>
               <a:rPr lang="en-US" altLang="ko-KR" spc="-1" dirty="0" err="1">
@@ -11619,7 +11186,7 @@
                 </a:uFill>
                 <a:latin typeface="Georgia"/>
               </a:rPr>
-              <a:t>Pięta</a:t>
+              <a:t>Marantidou</a:t>
             </a:r>
             <a:endParaRPr lang="en-US" altLang="ko-KR" spc="-1" dirty="0">
               <a:solidFill>
@@ -11657,7 +11224,7 @@
                 </a:uFill>
                 <a:latin typeface="Georgia"/>
               </a:rPr>
-              <a:t>Adrián Salas </a:t>
+              <a:t>Antoni </a:t>
             </a:r>
             <a:r>
               <a:rPr lang="en-US" altLang="ko-KR" spc="-1" dirty="0" err="1">
@@ -11671,7 +11238,7 @@
                 </a:uFill>
                 <a:latin typeface="Georgia"/>
               </a:rPr>
-              <a:t>Troya</a:t>
+              <a:t>Pięta</a:t>
             </a:r>
             <a:endParaRPr lang="en-US" altLang="ko-KR" spc="-1" dirty="0">
               <a:solidFill>
@@ -11709,7 +11276,7 @@
                 </a:uFill>
                 <a:latin typeface="Georgia"/>
               </a:rPr>
-              <a:t>George </a:t>
+              <a:t>Adrián Salas </a:t>
             </a:r>
             <a:r>
               <a:rPr lang="en-US" altLang="ko-KR" spc="-1" dirty="0" err="1">
@@ -11723,9 +11290,58 @@
                 </a:uFill>
                 <a:latin typeface="Georgia"/>
               </a:rPr>
-              <a:t>Karamalis</a:t>
+              <a:t>Troya</a:t>
             </a:r>
             <a:endParaRPr lang="en-US" altLang="ko-KR" spc="-1" dirty="0">
+              <a:solidFill>
+                <a:srgbClr val="000000"/>
+              </a:solidFill>
+              <a:uFill>
+                <a:solidFill>
+                  <a:srgbClr val="FFFFFF"/>
+                </a:solidFill>
+              </a:uFill>
+              <a:latin typeface="Georgia"/>
+            </a:endParaRPr>
+          </a:p>
+          <a:p>
+            <a:pPr marL="1296000" lvl="2" indent="-288000">
+              <a:spcBef>
+                <a:spcPts val="850"/>
+              </a:spcBef>
+              <a:buClr>
+                <a:srgbClr val="000000"/>
+              </a:buClr>
+              <a:buSzPct val="45000"/>
+              <a:buFont typeface="Wingdings" charset="2"/>
+              <a:buChar char=""/>
+            </a:pPr>
+            <a:r>
+              <a:rPr lang="en-US" altLang="ko-KR" spc="-1" dirty="0">
+                <a:solidFill>
+                  <a:srgbClr val="000000"/>
+                </a:solidFill>
+                <a:uFill>
+                  <a:solidFill>
+                    <a:srgbClr val="FFFFFF"/>
+                  </a:solidFill>
+                </a:uFill>
+                <a:latin typeface="Georgia"/>
+              </a:rPr>
+              <a:t>George Karamalis</a:t>
+            </a:r>
+          </a:p>
+          <a:p>
+            <a:pPr marL="93600">
+              <a:spcBef>
+                <a:spcPts val="850"/>
+              </a:spcBef>
+              <a:buClr>
+                <a:srgbClr val="000000"/>
+              </a:buClr>
+              <a:buSzPct val="45000"/>
+            </a:pPr>
+            <a:endParaRPr lang="en-US" altLang="ko-KR" sz="2700" spc="-1" dirty="0">
               <a:solidFill>
                 <a:srgbClr val="000000"/>
               </a:solidFill>

--- a/Presentation/Final Presentation.pptx
+++ b/Presentation/Final Presentation.pptx
@@ -5462,6 +5462,14 @@
   <p:clrMapOvr>
     <a:masterClrMapping/>
   </p:clrMapOvr>
+  <mc:AlternateContent xmlns:mc="http://schemas.openxmlformats.org/markup-compatibility/2006">
+    <mc:Choice xmlns:p14="http://schemas.microsoft.com/office/powerpoint/2010/main" Requires="p14">
+      <p:transition spd="slow" p14:dur="2000" advClick="0" advTm="20000"/>
+    </mc:Choice>
+    <mc:Fallback>
+      <p:transition spd="slow" advClick="0" advTm="20000"/>
+    </mc:Fallback>
+  </mc:AlternateContent>
 </p:sld>
 </file>
 
@@ -5991,6 +5999,14 @@
   <p:clrMapOvr>
     <a:masterClrMapping/>
   </p:clrMapOvr>
+  <mc:AlternateContent xmlns:mc="http://schemas.openxmlformats.org/markup-compatibility/2006">
+    <mc:Choice xmlns:p14="http://schemas.microsoft.com/office/powerpoint/2010/main" Requires="p14">
+      <p:transition spd="slow" p14:dur="2000" advClick="0" advTm="20000"/>
+    </mc:Choice>
+    <mc:Fallback>
+      <p:transition spd="slow" advClick="0" advTm="20000"/>
+    </mc:Fallback>
+  </mc:AlternateContent>
   <p:timing>
     <p:tnLst>
       <p:par>
@@ -6365,6 +6381,14 @@
   <p:clrMapOvr>
     <a:masterClrMapping/>
   </p:clrMapOvr>
+  <mc:AlternateContent xmlns:mc="http://schemas.openxmlformats.org/markup-compatibility/2006">
+    <mc:Choice xmlns:p14="http://schemas.microsoft.com/office/powerpoint/2010/main" Requires="p14">
+      <p:transition spd="slow" p14:dur="2000" advClick="0" advTm="20000"/>
+    </mc:Choice>
+    <mc:Fallback>
+      <p:transition spd="slow" advClick="0" advTm="20000"/>
+    </mc:Fallback>
+  </mc:AlternateContent>
   <p:timing>
     <p:tnLst>
       <p:par>
@@ -6822,6 +6846,14 @@
   <p:clrMapOvr>
     <a:masterClrMapping/>
   </p:clrMapOvr>
+  <mc:AlternateContent xmlns:mc="http://schemas.openxmlformats.org/markup-compatibility/2006">
+    <mc:Choice xmlns:p14="http://schemas.microsoft.com/office/powerpoint/2010/main" Requires="p14">
+      <p:transition spd="slow" p14:dur="2000" advClick="0" advTm="20000"/>
+    </mc:Choice>
+    <mc:Fallback>
+      <p:transition spd="slow" advClick="0" advTm="20000"/>
+    </mc:Fallback>
+  </mc:AlternateContent>
   <p:timing>
     <p:tnLst>
       <p:par>
@@ -7112,6 +7144,14 @@
   <p:clrMapOvr>
     <a:masterClrMapping/>
   </p:clrMapOvr>
+  <mc:AlternateContent xmlns:mc="http://schemas.openxmlformats.org/markup-compatibility/2006">
+    <mc:Choice xmlns:p14="http://schemas.microsoft.com/office/powerpoint/2010/main" Requires="p14">
+      <p:transition spd="slow" p14:dur="2000" advClick="0" advTm="20000"/>
+    </mc:Choice>
+    <mc:Fallback>
+      <p:transition spd="slow" advClick="0" advTm="20000"/>
+    </mc:Fallback>
+  </mc:AlternateContent>
   <p:timing>
     <p:tnLst>
       <p:par>
@@ -8671,6 +8711,14 @@
   <p:clrMapOvr>
     <a:masterClrMapping/>
   </p:clrMapOvr>
+  <mc:AlternateContent xmlns:mc="http://schemas.openxmlformats.org/markup-compatibility/2006">
+    <mc:Choice xmlns:p14="http://schemas.microsoft.com/office/powerpoint/2010/main" Requires="p14">
+      <p:transition spd="slow" p14:dur="2000" advClick="0" advTm="20000"/>
+    </mc:Choice>
+    <mc:Fallback>
+      <p:transition spd="slow" advClick="0" advTm="20000"/>
+    </mc:Fallback>
+  </mc:AlternateContent>
 </p:sld>
 </file>
 
@@ -8890,6 +8938,14 @@
   <p:clrMapOvr>
     <a:masterClrMapping/>
   </p:clrMapOvr>
+  <mc:AlternateContent xmlns:mc="http://schemas.openxmlformats.org/markup-compatibility/2006">
+    <mc:Choice xmlns:p14="http://schemas.microsoft.com/office/powerpoint/2010/main" Requires="p14">
+      <p:transition spd="slow" p14:dur="2000" advClick="0" advTm="20000"/>
+    </mc:Choice>
+    <mc:Fallback>
+      <p:transition spd="slow" advClick="0" advTm="20000"/>
+    </mc:Fallback>
+  </mc:AlternateContent>
   <p:timing>
     <p:tnLst>
       <p:par>
@@ -9487,6 +9543,14 @@
   <p:clrMapOvr>
     <a:masterClrMapping/>
   </p:clrMapOvr>
+  <mc:AlternateContent xmlns:mc="http://schemas.openxmlformats.org/markup-compatibility/2006">
+    <mc:Choice xmlns:p14="http://schemas.microsoft.com/office/powerpoint/2010/main" Requires="p14">
+      <p:transition spd="slow" p14:dur="2000" advClick="0" advTm="20000"/>
+    </mc:Choice>
+    <mc:Fallback>
+      <p:transition spd="slow" advClick="0" advTm="20000"/>
+    </mc:Fallback>
+  </mc:AlternateContent>
   <p:timing>
     <p:tnLst>
       <p:par>
@@ -10008,6 +10072,14 @@
   <p:clrMapOvr>
     <a:masterClrMapping/>
   </p:clrMapOvr>
+  <mc:AlternateContent xmlns:mc="http://schemas.openxmlformats.org/markup-compatibility/2006">
+    <mc:Choice xmlns:p14="http://schemas.microsoft.com/office/powerpoint/2010/main" Requires="p14">
+      <p:transition spd="slow" p14:dur="2000" advClick="0" advTm="20000"/>
+    </mc:Choice>
+    <mc:Fallback>
+      <p:transition spd="slow" advClick="0" advTm="20000"/>
+    </mc:Fallback>
+  </mc:AlternateContent>
   <p:timing>
     <p:tnLst>
       <p:par>
@@ -10269,6 +10341,14 @@
   <p:clrMapOvr>
     <a:masterClrMapping/>
   </p:clrMapOvr>
+  <mc:AlternateContent xmlns:mc="http://schemas.openxmlformats.org/markup-compatibility/2006">
+    <mc:Choice xmlns:p14="http://schemas.microsoft.com/office/powerpoint/2010/main" Requires="p14">
+      <p:transition spd="slow" p14:dur="2000" advClick="0" advTm="20000"/>
+    </mc:Choice>
+    <mc:Fallback>
+      <p:transition spd="slow" advClick="0" advTm="20000"/>
+    </mc:Fallback>
+  </mc:AlternateContent>
 </p:sld>
 </file>
 
@@ -10728,6 +10808,14 @@
   <p:clrMapOvr>
     <a:masterClrMapping/>
   </p:clrMapOvr>
+  <mc:AlternateContent xmlns:mc="http://schemas.openxmlformats.org/markup-compatibility/2006">
+    <mc:Choice xmlns:p14="http://schemas.microsoft.com/office/powerpoint/2010/main" Requires="p14">
+      <p:transition spd="slow" p14:dur="2000" advClick="0" advTm="20000"/>
+    </mc:Choice>
+    <mc:Fallback>
+      <p:transition spd="slow" advClick="0" advTm="20000"/>
+    </mc:Fallback>
+  </mc:AlternateContent>
   <p:timing>
     <p:tnLst>
       <p:par>
@@ -11411,6 +11499,14 @@
   <p:clrMapOvr>
     <a:masterClrMapping/>
   </p:clrMapOvr>
+  <mc:AlternateContent xmlns:mc="http://schemas.openxmlformats.org/markup-compatibility/2006">
+    <mc:Choice xmlns:p14="http://schemas.microsoft.com/office/powerpoint/2010/main" Requires="p14">
+      <p:transition spd="slow" p14:dur="2000" advClick="0" advTm="20000"/>
+    </mc:Choice>
+    <mc:Fallback>
+      <p:transition spd="slow" advClick="0" advTm="20000"/>
+    </mc:Fallback>
+  </mc:AlternateContent>
   <p:timing>
     <p:tnLst>
       <p:par>
@@ -11992,6 +12088,14 @@
   <p:clrMapOvr>
     <a:masterClrMapping/>
   </p:clrMapOvr>
+  <mc:AlternateContent xmlns:mc="http://schemas.openxmlformats.org/markup-compatibility/2006">
+    <mc:Choice xmlns:p14="http://schemas.microsoft.com/office/powerpoint/2010/main" Requires="p14">
+      <p:transition spd="slow" p14:dur="2000" advClick="0" advTm="20000"/>
+    </mc:Choice>
+    <mc:Fallback>
+      <p:transition spd="slow" advClick="0" advTm="20000"/>
+    </mc:Fallback>
+  </mc:AlternateContent>
   <p:timing>
     <p:tnLst>
       <p:par>
@@ -12616,6 +12720,14 @@
   <p:clrMapOvr>
     <a:masterClrMapping/>
   </p:clrMapOvr>
+  <mc:AlternateContent xmlns:mc="http://schemas.openxmlformats.org/markup-compatibility/2006">
+    <mc:Choice xmlns:p14="http://schemas.microsoft.com/office/powerpoint/2010/main" Requires="p14">
+      <p:transition spd="slow" p14:dur="2000" advClick="0" advTm="20000"/>
+    </mc:Choice>
+    <mc:Fallback>
+      <p:transition spd="slow" advClick="0" advTm="20000"/>
+    </mc:Fallback>
+  </mc:AlternateContent>
   <p:timing>
     <p:tnLst>
       <p:par>
@@ -13189,6 +13301,14 @@
   <p:clrMapOvr>
     <a:masterClrMapping/>
   </p:clrMapOvr>
+  <mc:AlternateContent xmlns:mc="http://schemas.openxmlformats.org/markup-compatibility/2006">
+    <mc:Choice xmlns:p14="http://schemas.microsoft.com/office/powerpoint/2010/main" Requires="p14">
+      <p:transition spd="slow" p14:dur="2000" advClick="0" advTm="20000"/>
+    </mc:Choice>
+    <mc:Fallback>
+      <p:transition spd="slow" advClick="0" advTm="20000"/>
+    </mc:Fallback>
+  </mc:AlternateContent>
   <p:timing>
     <p:tnLst>
       <p:par>
@@ -15200,6 +15320,14 @@
   <p:clrMapOvr>
     <a:masterClrMapping/>
   </p:clrMapOvr>
+  <mc:AlternateContent xmlns:mc="http://schemas.openxmlformats.org/markup-compatibility/2006">
+    <mc:Choice xmlns:p14="http://schemas.microsoft.com/office/powerpoint/2010/main" Requires="p14">
+      <p:transition spd="slow" p14:dur="2000" advClick="0" advTm="20000"/>
+    </mc:Choice>
+    <mc:Fallback>
+      <p:transition spd="slow" advClick="0" advTm="20000"/>
+    </mc:Fallback>
+  </mc:AlternateContent>
   <p:timing>
     <p:tnLst>
       <p:par>
@@ -15708,6 +15836,14 @@
   <p:clrMapOvr>
     <a:masterClrMapping/>
   </p:clrMapOvr>
+  <mc:AlternateContent xmlns:mc="http://schemas.openxmlformats.org/markup-compatibility/2006">
+    <mc:Choice xmlns:p14="http://schemas.microsoft.com/office/powerpoint/2010/main" Requires="p14">
+      <p:transition spd="slow" p14:dur="2000" advClick="0" advTm="20000"/>
+    </mc:Choice>
+    <mc:Fallback>
+      <p:transition spd="slow" advClick="0" advTm="20000"/>
+    </mc:Fallback>
+  </mc:AlternateContent>
   <p:timing>
     <p:tnLst>
       <p:par>
@@ -16192,6 +16328,14 @@
   <p:clrMapOvr>
     <a:masterClrMapping/>
   </p:clrMapOvr>
+  <mc:AlternateContent xmlns:mc="http://schemas.openxmlformats.org/markup-compatibility/2006">
+    <mc:Choice xmlns:p14="http://schemas.microsoft.com/office/powerpoint/2010/main" Requires="p14">
+      <p:transition spd="slow" p14:dur="2000" advClick="0" advTm="20000"/>
+    </mc:Choice>
+    <mc:Fallback>
+      <p:transition spd="slow" advClick="0" advTm="20000"/>
+    </mc:Fallback>
+  </mc:AlternateContent>
   <p:timing>
     <p:tnLst>
       <p:par>

--- a/Presentation/Final Presentation.pptx
+++ b/Presentation/Final Presentation.pptx
@@ -5464,10 +5464,10 @@
   </p:clrMapOvr>
   <mc:AlternateContent xmlns:mc="http://schemas.openxmlformats.org/markup-compatibility/2006">
     <mc:Choice xmlns:p14="http://schemas.microsoft.com/office/powerpoint/2010/main" Requires="p14">
-      <p:transition spd="slow" p14:dur="2000" advClick="0" advTm="20000"/>
+      <p:transition spd="slow" p14:dur="2000" advTm="20000"/>
     </mc:Choice>
     <mc:Fallback>
-      <p:transition spd="slow" advClick="0" advTm="20000"/>
+      <p:transition spd="slow" advTm="20000"/>
     </mc:Fallback>
   </mc:AlternateContent>
 </p:sld>
@@ -6001,10 +6001,10 @@
   </p:clrMapOvr>
   <mc:AlternateContent xmlns:mc="http://schemas.openxmlformats.org/markup-compatibility/2006">
     <mc:Choice xmlns:p14="http://schemas.microsoft.com/office/powerpoint/2010/main" Requires="p14">
-      <p:transition spd="slow" p14:dur="2000" advClick="0" advTm="20000"/>
+      <p:transition spd="slow" p14:dur="2000" advTm="20000"/>
     </mc:Choice>
     <mc:Fallback>
-      <p:transition spd="slow" advClick="0" advTm="20000"/>
+      <p:transition spd="slow" advTm="20000"/>
     </mc:Fallback>
   </mc:AlternateContent>
   <p:timing>
@@ -6383,10 +6383,10 @@
   </p:clrMapOvr>
   <mc:AlternateContent xmlns:mc="http://schemas.openxmlformats.org/markup-compatibility/2006">
     <mc:Choice xmlns:p14="http://schemas.microsoft.com/office/powerpoint/2010/main" Requires="p14">
-      <p:transition spd="slow" p14:dur="2000" advClick="0" advTm="20000"/>
+      <p:transition spd="slow" p14:dur="2000" advTm="20000"/>
     </mc:Choice>
     <mc:Fallback>
-      <p:transition spd="slow" advClick="0" advTm="20000"/>
+      <p:transition spd="slow" advTm="20000"/>
     </mc:Fallback>
   </mc:AlternateContent>
   <p:timing>
@@ -6848,10 +6848,10 @@
   </p:clrMapOvr>
   <mc:AlternateContent xmlns:mc="http://schemas.openxmlformats.org/markup-compatibility/2006">
     <mc:Choice xmlns:p14="http://schemas.microsoft.com/office/powerpoint/2010/main" Requires="p14">
-      <p:transition spd="slow" p14:dur="2000" advClick="0" advTm="20000"/>
+      <p:transition spd="slow" p14:dur="2000" advTm="20000"/>
     </mc:Choice>
     <mc:Fallback>
-      <p:transition spd="slow" advClick="0" advTm="20000"/>
+      <p:transition spd="slow" advTm="20000"/>
     </mc:Fallback>
   </mc:AlternateContent>
   <p:timing>
@@ -7146,10 +7146,10 @@
   </p:clrMapOvr>
   <mc:AlternateContent xmlns:mc="http://schemas.openxmlformats.org/markup-compatibility/2006">
     <mc:Choice xmlns:p14="http://schemas.microsoft.com/office/powerpoint/2010/main" Requires="p14">
-      <p:transition spd="slow" p14:dur="2000" advClick="0" advTm="20000"/>
+      <p:transition spd="slow" p14:dur="2000" advTm="20000"/>
     </mc:Choice>
     <mc:Fallback>
-      <p:transition spd="slow" advClick="0" advTm="20000"/>
+      <p:transition spd="slow" advTm="20000"/>
     </mc:Fallback>
   </mc:AlternateContent>
   <p:timing>
@@ -8713,10 +8713,10 @@
   </p:clrMapOvr>
   <mc:AlternateContent xmlns:mc="http://schemas.openxmlformats.org/markup-compatibility/2006">
     <mc:Choice xmlns:p14="http://schemas.microsoft.com/office/powerpoint/2010/main" Requires="p14">
-      <p:transition spd="slow" p14:dur="2000" advClick="0" advTm="20000"/>
+      <p:transition spd="slow" p14:dur="2000" advTm="20000"/>
     </mc:Choice>
     <mc:Fallback>
-      <p:transition spd="slow" advClick="0" advTm="20000"/>
+      <p:transition spd="slow" advTm="20000"/>
     </mc:Fallback>
   </mc:AlternateContent>
 </p:sld>
@@ -8940,10 +8940,10 @@
   </p:clrMapOvr>
   <mc:AlternateContent xmlns:mc="http://schemas.openxmlformats.org/markup-compatibility/2006">
     <mc:Choice xmlns:p14="http://schemas.microsoft.com/office/powerpoint/2010/main" Requires="p14">
-      <p:transition spd="slow" p14:dur="2000" advClick="0" advTm="20000"/>
+      <p:transition spd="slow" p14:dur="2000" advTm="20000"/>
     </mc:Choice>
     <mc:Fallback>
-      <p:transition spd="slow" advClick="0" advTm="20000"/>
+      <p:transition spd="slow" advTm="20000"/>
     </mc:Fallback>
   </mc:AlternateContent>
   <p:timing>
@@ -9545,10 +9545,10 @@
   </p:clrMapOvr>
   <mc:AlternateContent xmlns:mc="http://schemas.openxmlformats.org/markup-compatibility/2006">
     <mc:Choice xmlns:p14="http://schemas.microsoft.com/office/powerpoint/2010/main" Requires="p14">
-      <p:transition spd="slow" p14:dur="2000" advClick="0" advTm="20000"/>
+      <p:transition spd="slow" p14:dur="2000" advTm="20000"/>
     </mc:Choice>
     <mc:Fallback>
-      <p:transition spd="slow" advClick="0" advTm="20000"/>
+      <p:transition spd="slow" advTm="20000"/>
     </mc:Fallback>
   </mc:AlternateContent>
   <p:timing>
@@ -10074,10 +10074,10 @@
   </p:clrMapOvr>
   <mc:AlternateContent xmlns:mc="http://schemas.openxmlformats.org/markup-compatibility/2006">
     <mc:Choice xmlns:p14="http://schemas.microsoft.com/office/powerpoint/2010/main" Requires="p14">
-      <p:transition spd="slow" p14:dur="2000" advClick="0" advTm="20000"/>
+      <p:transition spd="slow" p14:dur="2000" advTm="20000"/>
     </mc:Choice>
     <mc:Fallback>
-      <p:transition spd="slow" advClick="0" advTm="20000"/>
+      <p:transition spd="slow" advTm="20000"/>
     </mc:Fallback>
   </mc:AlternateContent>
   <p:timing>
@@ -10343,10 +10343,10 @@
   </p:clrMapOvr>
   <mc:AlternateContent xmlns:mc="http://schemas.openxmlformats.org/markup-compatibility/2006">
     <mc:Choice xmlns:p14="http://schemas.microsoft.com/office/powerpoint/2010/main" Requires="p14">
-      <p:transition spd="slow" p14:dur="2000" advClick="0" advTm="20000"/>
+      <p:transition spd="slow" p14:dur="2000" advTm="20000"/>
     </mc:Choice>
     <mc:Fallback>
-      <p:transition spd="slow" advClick="0" advTm="20000"/>
+      <p:transition spd="slow" advTm="20000"/>
     </mc:Fallback>
   </mc:AlternateContent>
 </p:sld>
@@ -10810,10 +10810,10 @@
   </p:clrMapOvr>
   <mc:AlternateContent xmlns:mc="http://schemas.openxmlformats.org/markup-compatibility/2006">
     <mc:Choice xmlns:p14="http://schemas.microsoft.com/office/powerpoint/2010/main" Requires="p14">
-      <p:transition spd="slow" p14:dur="2000" advClick="0" advTm="20000"/>
+      <p:transition spd="slow" p14:dur="2000" advTm="20000"/>
     </mc:Choice>
     <mc:Fallback>
-      <p:transition spd="slow" advClick="0" advTm="20000"/>
+      <p:transition spd="slow" advTm="20000"/>
     </mc:Fallback>
   </mc:AlternateContent>
   <p:timing>
@@ -11501,10 +11501,10 @@
   </p:clrMapOvr>
   <mc:AlternateContent xmlns:mc="http://schemas.openxmlformats.org/markup-compatibility/2006">
     <mc:Choice xmlns:p14="http://schemas.microsoft.com/office/powerpoint/2010/main" Requires="p14">
-      <p:transition spd="slow" p14:dur="2000" advClick="0" advTm="20000"/>
+      <p:transition spd="slow" p14:dur="2000" advTm="20000"/>
     </mc:Choice>
     <mc:Fallback>
-      <p:transition spd="slow" advClick="0" advTm="20000"/>
+      <p:transition spd="slow" advTm="20000"/>
     </mc:Fallback>
   </mc:AlternateContent>
   <p:timing>
@@ -12090,10 +12090,10 @@
   </p:clrMapOvr>
   <mc:AlternateContent xmlns:mc="http://schemas.openxmlformats.org/markup-compatibility/2006">
     <mc:Choice xmlns:p14="http://schemas.microsoft.com/office/powerpoint/2010/main" Requires="p14">
-      <p:transition spd="slow" p14:dur="2000" advClick="0" advTm="20000"/>
+      <p:transition spd="slow" p14:dur="2000" advTm="20000"/>
     </mc:Choice>
     <mc:Fallback>
-      <p:transition spd="slow" advClick="0" advTm="20000"/>
+      <p:transition spd="slow" advTm="20000"/>
     </mc:Fallback>
   </mc:AlternateContent>
   <p:timing>
@@ -12722,10 +12722,10 @@
   </p:clrMapOvr>
   <mc:AlternateContent xmlns:mc="http://schemas.openxmlformats.org/markup-compatibility/2006">
     <mc:Choice xmlns:p14="http://schemas.microsoft.com/office/powerpoint/2010/main" Requires="p14">
-      <p:transition spd="slow" p14:dur="2000" advClick="0" advTm="20000"/>
+      <p:transition spd="slow" p14:dur="2000" advTm="20000"/>
     </mc:Choice>
     <mc:Fallback>
-      <p:transition spd="slow" advClick="0" advTm="20000"/>
+      <p:transition spd="slow" advTm="20000"/>
     </mc:Fallback>
   </mc:AlternateContent>
   <p:timing>
@@ -13303,10 +13303,10 @@
   </p:clrMapOvr>
   <mc:AlternateContent xmlns:mc="http://schemas.openxmlformats.org/markup-compatibility/2006">
     <mc:Choice xmlns:p14="http://schemas.microsoft.com/office/powerpoint/2010/main" Requires="p14">
-      <p:transition spd="slow" p14:dur="2000" advClick="0" advTm="20000"/>
+      <p:transition spd="slow" p14:dur="2000" advTm="20000"/>
     </mc:Choice>
     <mc:Fallback>
-      <p:transition spd="slow" advClick="0" advTm="20000"/>
+      <p:transition spd="slow" advTm="20000"/>
     </mc:Fallback>
   </mc:AlternateContent>
   <p:timing>
@@ -15322,10 +15322,10 @@
   </p:clrMapOvr>
   <mc:AlternateContent xmlns:mc="http://schemas.openxmlformats.org/markup-compatibility/2006">
     <mc:Choice xmlns:p14="http://schemas.microsoft.com/office/powerpoint/2010/main" Requires="p14">
-      <p:transition spd="slow" p14:dur="2000" advClick="0" advTm="20000"/>
+      <p:transition spd="slow" p14:dur="2000" advTm="20000"/>
     </mc:Choice>
     <mc:Fallback>
-      <p:transition spd="slow" advClick="0" advTm="20000"/>
+      <p:transition spd="slow" advTm="20000"/>
     </mc:Fallback>
   </mc:AlternateContent>
   <p:timing>
@@ -15838,10 +15838,10 @@
   </p:clrMapOvr>
   <mc:AlternateContent xmlns:mc="http://schemas.openxmlformats.org/markup-compatibility/2006">
     <mc:Choice xmlns:p14="http://schemas.microsoft.com/office/powerpoint/2010/main" Requires="p14">
-      <p:transition spd="slow" p14:dur="2000" advClick="0" advTm="20000"/>
+      <p:transition spd="slow" p14:dur="2000" advTm="20000"/>
     </mc:Choice>
     <mc:Fallback>
-      <p:transition spd="slow" advClick="0" advTm="20000"/>
+      <p:transition spd="slow" advTm="20000"/>
     </mc:Fallback>
   </mc:AlternateContent>
   <p:timing>
@@ -16330,10 +16330,10 @@
   </p:clrMapOvr>
   <mc:AlternateContent xmlns:mc="http://schemas.openxmlformats.org/markup-compatibility/2006">
     <mc:Choice xmlns:p14="http://schemas.microsoft.com/office/powerpoint/2010/main" Requires="p14">
-      <p:transition spd="slow" p14:dur="2000" advClick="0" advTm="20000"/>
+      <p:transition spd="slow" p14:dur="2000" advTm="20000"/>
     </mc:Choice>
     <mc:Fallback>
-      <p:transition spd="slow" advClick="0" advTm="20000"/>
+      <p:transition spd="slow" advTm="20000"/>
     </mc:Fallback>
   </mc:AlternateContent>
   <p:timing>

--- a/Presentation/Final Presentation.pptx
+++ b/Presentation/Final Presentation.pptx
@@ -5262,6 +5262,41 @@
           <a:chExt cx="0" cy="0"/>
         </a:xfrm>
       </p:grpSpPr>
+      <p:pic>
+        <p:nvPicPr>
+          <p:cNvPr id="4" name="그림 3">
+            <a:extLst>
+              <a:ext uri="{FF2B5EF4-FFF2-40B4-BE49-F238E27FC236}">
+                <a16:creationId xmlns:a16="http://schemas.microsoft.com/office/drawing/2014/main" id="{31148422-374C-4C23-A558-2C4FFB77FDFA}"/>
+              </a:ext>
+            </a:extLst>
+          </p:cNvPr>
+          <p:cNvPicPr>
+            <a:picLocks noChangeAspect="1"/>
+          </p:cNvPicPr>
+          <p:nvPr/>
+        </p:nvPicPr>
+        <p:blipFill rotWithShape="1">
+          <a:blip r:embed="rId2">
+            <a:extLst>
+              <a:ext uri="{28A0092B-C50C-407E-A947-70E740481C1C}">
+                <a14:useLocalDpi xmlns:a14="http://schemas.microsoft.com/office/drawing/2010/main" val="0"/>
+              </a:ext>
+            </a:extLst>
+          </a:blip>
+          <a:srcRect l="-1" t="-185" r="104" b="-260"/>
+          <a:stretch/>
+        </p:blipFill>
+        <p:spPr>
+          <a:xfrm>
+            <a:off x="164592" y="1822082"/>
+            <a:ext cx="8814816" cy="4316447"/>
+          </a:xfrm>
+          <a:prstGeom prst="rect">
+            <a:avLst/>
+          </a:prstGeom>
+        </p:spPr>
+      </p:pic>
       <p:sp>
         <p:nvSpPr>
           <p:cNvPr id="3" name="TextShape 1">
@@ -5591,15 +5626,15 @@
           <p:nvPr/>
         </p:nvPicPr>
         <p:blipFill>
-          <a:blip r:embed="rId2" cstate="print"/>
+          <a:blip r:embed="rId3" cstate="print"/>
           <a:stretch>
             <a:fillRect/>
           </a:stretch>
         </p:blipFill>
         <p:spPr>
           <a:xfrm>
-            <a:off x="5525008" y="5121656"/>
-            <a:ext cx="3454400" cy="1270000"/>
+            <a:off x="7452360" y="6155290"/>
+            <a:ext cx="1527048" cy="561415"/>
           </a:xfrm>
           <a:prstGeom prst="rect">
             <a:avLst/>
